--- a/src/main/webapp/WEB-INF/Files/public/1.title.pptx
+++ b/src/main/webapp/WEB-INF/Files/public/1.title.pptx
@@ -1,17 +1,17 @@
 
 <file path=ppt/presentation.xml><?xml version="1.0" encoding="utf-8"?>
-<p:presentation xmlns:r="http://schemas.openxmlformats.org/officeDocument/2006/relationships" xmlns:c="http://schemas.openxmlformats.org/drawingml/2006/chart" xmlns:a="http://schemas.openxmlformats.org/drawingml/2006/main" xmlns:dgm="http://schemas.openxmlformats.org/drawingml/2006/diagram" xmlns:dsp="http://schemas.microsoft.com/office/drawing/2008/diagram" xmlns:p="http://schemas.openxmlformats.org/presentationml/2006/main" showSpecialPlsOnTitleSld="0" strictFirstAndLastChars="0" saveSubsetFonts="1">
+<p:presentation xmlns:a="http://schemas.openxmlformats.org/drawingml/2006/main" xmlns:r="http://schemas.openxmlformats.org/officeDocument/2006/relationships" xmlns:p="http://schemas.openxmlformats.org/presentationml/2006/main" showSpecialPlsOnTitleSld="0" strictFirstAndLastChars="0" saveSubsetFonts="1">
   <p:sldMasterIdLst>
     <p:sldMasterId id="2147521145" r:id="rId1"/>
   </p:sldMasterIdLst>
   <p:notesMasterIdLst>
-    <p:notesMasterId r:id="rId2"/>
+    <p:notesMasterId r:id="rId3"/>
   </p:notesMasterIdLst>
   <p:handoutMasterIdLst>
-    <p:handoutMasterId r:id="rId3"/>
+    <p:handoutMasterId r:id="rId4"/>
   </p:handoutMasterIdLst>
   <p:sldIdLst>
-    <p:sldId id="256" r:id="rId4"/>
+    <p:sldId id="256" r:id="rId2"/>
   </p:sldIdLst>
   <p:sldSz cx="9906000" cy="6858000" type="A4"/>
   <p:notesSz cx="6797675" cy="9926638"/>
@@ -140,17 +140,48 @@
       </a:defRPr>
     </a:lvl9pPr>
   </p:defaultTextStyle>
+  <p:extLst>
+    <p:ext uri="{EFAFB233-063F-42B5-8137-9DF3F51BA10A}">
+      <p15:sldGuideLst xmlns:p15="http://schemas.microsoft.com/office/powerpoint/2012/main">
+        <p15:guide id="1" orient="horz" pos="2447">
+          <p15:clr>
+            <a:srgbClr val="A4A3A4"/>
+          </p15:clr>
+        </p15:guide>
+        <p15:guide id="2" pos="3119">
+          <p15:clr>
+            <a:srgbClr val="A4A3A4"/>
+          </p15:clr>
+        </p15:guide>
+      </p15:sldGuideLst>
+    </p:ext>
+    <p:ext uri="{2D200454-40CA-4A62-9FC3-DE9A4176ACB9}">
+      <p15:notesGuideLst xmlns:p15="http://schemas.microsoft.com/office/powerpoint/2012/main">
+        <p15:guide id="1" orient="horz" pos="3125">
+          <p15:clr>
+            <a:srgbClr val="A4A3A4"/>
+          </p15:clr>
+        </p15:guide>
+        <p15:guide id="2" pos="2139">
+          <p15:clr>
+            <a:srgbClr val="A4A3A4"/>
+          </p15:clr>
+        </p15:guide>
+      </p15:notesGuideLst>
+    </p:ext>
+  </p:extLst>
 </p:presentation>
 </file>
 
 <file path=ppt/handoutMasters/handoutMaster1.xml><?xml version="1.0" encoding="utf-8"?>
-<p:handoutMaster xmlns:r="http://schemas.openxmlformats.org/officeDocument/2006/relationships" xmlns:c="http://schemas.openxmlformats.org/drawingml/2006/chart" xmlns:a="http://schemas.openxmlformats.org/drawingml/2006/main" xmlns:dgm="http://schemas.openxmlformats.org/drawingml/2006/diagram" xmlns:dsp="http://schemas.microsoft.com/office/drawing/2008/diagram" xmlns:p="http://schemas.openxmlformats.org/presentationml/2006/main">
+<p:handoutMaster xmlns:a="http://schemas.openxmlformats.org/drawingml/2006/main" xmlns:r="http://schemas.openxmlformats.org/officeDocument/2006/relationships" xmlns:p="http://schemas.openxmlformats.org/presentationml/2006/main">
   <p:cSld>
     <p:bg>
-      <p:bgPr shadeToTitle="0">
+      <p:bgPr>
         <a:solidFill>
           <a:schemeClr val="bg1"/>
         </a:solidFill>
+        <a:effectLst/>
       </p:bgPr>
     </p:bg>
     <p:spTree>
@@ -174,7 +205,7 @@
             <a:spLocks noGrp="1" noChangeArrowheads="1"/>
           </p:cNvSpPr>
           <p:nvPr>
-            <p:ph type="hdr" sz="quarter" idx="0"/>
+            <p:ph type="hdr" sz="quarter"/>
           </p:nvPr>
         </p:nvSpPr>
         <p:spPr>
@@ -216,10 +247,6 @@
             <a:pPr>
               <a:defRPr/>
             </a:pPr>
-            <a:r>
-              <a:rPr lang="ko-KR" altLang="en-US"/>
-              <a:t/>
-            </a:r>
             <a:endParaRPr lang="ko-KR" altLang="en-US"/>
           </a:p>
         </p:txBody>
@@ -278,7 +305,7 @@
               <a:pPr>
                 <a:defRPr/>
               </a:pPr>
-              <a:t>2023-02-28</a:t>
+              <a:t>2023-04-11</a:t>
             </a:fld>
             <a:endParaRPr lang="en-US" altLang="ko-KR"/>
           </a:p>
@@ -404,13 +431,14 @@
 </file>
 
 <file path=ppt/notesMasters/notesMaster1.xml><?xml version="1.0" encoding="utf-8"?>
-<p:notesMaster xmlns:r="http://schemas.openxmlformats.org/officeDocument/2006/relationships" xmlns:c="http://schemas.openxmlformats.org/drawingml/2006/chart" xmlns:a="http://schemas.openxmlformats.org/drawingml/2006/main" xmlns:dgm="http://schemas.openxmlformats.org/drawingml/2006/diagram" xmlns:dsp="http://schemas.microsoft.com/office/drawing/2008/diagram" xmlns:p="http://schemas.openxmlformats.org/presentationml/2006/main">
+<p:notesMaster xmlns:a="http://schemas.openxmlformats.org/drawingml/2006/main" xmlns:r="http://schemas.openxmlformats.org/officeDocument/2006/relationships" xmlns:p="http://schemas.openxmlformats.org/presentationml/2006/main">
   <p:cSld>
     <p:bg>
-      <p:bgPr shadeToTitle="0">
+      <p:bgPr>
         <a:solidFill>
           <a:schemeClr val="bg1"/>
         </a:solidFill>
+        <a:effectLst/>
       </p:bgPr>
     </p:bg>
     <p:spTree>
@@ -434,7 +462,7 @@
             <a:spLocks noGrp="1" noChangeArrowheads="1"/>
           </p:cNvSpPr>
           <p:nvPr>
-            <p:ph type="hdr" sz="quarter" idx="0"/>
+            <p:ph type="hdr" sz="quarter"/>
           </p:nvPr>
         </p:nvSpPr>
         <p:spPr>
@@ -476,10 +504,6 @@
             <a:pPr>
               <a:defRPr/>
             </a:pPr>
-            <a:r>
-              <a:rPr lang="ko-KR" altLang="en-US"/>
-              <a:t/>
-            </a:r>
             <a:endParaRPr lang="ko-KR" altLang="en-US"/>
           </a:p>
         </p:txBody>
@@ -538,7 +562,7 @@
               <a:pPr>
                 <a:defRPr/>
               </a:pPr>
-              <a:t>2023-02-28</a:t>
+              <a:t>2023-04-11</a:t>
             </a:fld>
             <a:endParaRPr lang="en-US" altLang="ko-KR"/>
           </a:p>
@@ -610,7 +634,6 @@
               <a:rPr lang="en-US" altLang="ko-KR"/>
               <a:t>Click to edit Master text styles</a:t>
             </a:r>
-            <a:endParaRPr lang="en-US" altLang="ko-KR"/>
           </a:p>
           <a:p>
             <a:pPr lvl="1">
@@ -620,7 +643,6 @@
               <a:rPr lang="en-US" altLang="ko-KR"/>
               <a:t>Second level</a:t>
             </a:r>
-            <a:endParaRPr lang="en-US" altLang="ko-KR"/>
           </a:p>
           <a:p>
             <a:pPr lvl="2">
@@ -630,7 +652,6 @@
               <a:rPr lang="en-US" altLang="ko-KR"/>
               <a:t>Third level</a:t>
             </a:r>
-            <a:endParaRPr lang="en-US" altLang="ko-KR"/>
           </a:p>
           <a:p>
             <a:pPr lvl="3">
@@ -640,7 +661,6 @@
               <a:rPr lang="en-US" altLang="ko-KR"/>
               <a:t>Fourth level</a:t>
             </a:r>
-            <a:endParaRPr lang="en-US" altLang="ko-KR"/>
           </a:p>
           <a:p>
             <a:pPr lvl="4">
@@ -650,7 +670,6 @@
               <a:rPr lang="en-US" altLang="ko-KR"/>
               <a:t>Fifth level</a:t>
             </a:r>
-            <a:endParaRPr lang="en-US" altLang="ko-KR"/>
           </a:p>
         </p:txBody>
       </p:sp>
@@ -897,7 +916,7 @@
 </file>
 
 <file path=ppt/notesSlides/notesSlide1.xml><?xml version="1.0" encoding="utf-8"?>
-<p:notes xmlns:r="http://schemas.openxmlformats.org/officeDocument/2006/relationships" xmlns:c="http://schemas.openxmlformats.org/drawingml/2006/chart" xmlns:a="http://schemas.openxmlformats.org/drawingml/2006/main" xmlns:dgm="http://schemas.openxmlformats.org/drawingml/2006/diagram" xmlns:dsp="http://schemas.microsoft.com/office/drawing/2008/diagram" xmlns:p="http://schemas.openxmlformats.org/presentationml/2006/main">
+<p:notes xmlns:a="http://schemas.openxmlformats.org/drawingml/2006/main" xmlns:r="http://schemas.openxmlformats.org/officeDocument/2006/relationships" xmlns:p="http://schemas.openxmlformats.org/presentationml/2006/main">
   <p:cSld>
     <p:spTree>
       <p:nvGrpSpPr>
@@ -1051,7 +1070,7 @@
               <a:pPr lvl="0">
                 <a:defRPr/>
               </a:pPr>
-              <a:t>2023-02-28</a:t>
+              <a:t>2023-04-11</a:t>
             </a:fld>
             <a:endParaRPr lang="en-US" altLang="ko-KR" sz="1200" b="0">
               <a:solidFill>
@@ -1367,7 +1386,7 @@
             <a:spLocks noGrp="1" noRot="1" noChangeAspect="1" noChangeArrowheads="1" noTextEdit="1"/>
           </p:cNvSpPr>
           <p:nvPr>
-            <p:ph type="sldImg" idx="0"/>
+            <p:ph type="sldImg"/>
           </p:nvPr>
         </p:nvSpPr>
         <p:spPr>
@@ -1399,10 +1418,6 @@
             <a:pPr eaLnBrk="1" hangingPunct="1">
               <a:defRPr/>
             </a:pPr>
-            <a:r>
-              <a:rPr lang="ko-KR" altLang="en-US"/>
-              <a:t/>
-            </a:r>
             <a:endParaRPr lang="ko-KR" altLang="en-US"/>
           </a:p>
         </p:txBody>
@@ -4007,7 +4022,7 @@
 </file>
 
 <file path=ppt/slides/slide1.xml><?xml version="1.0" encoding="utf-8"?>
-<p:sld xmlns:r="http://schemas.openxmlformats.org/officeDocument/2006/relationships" xmlns:c="http://schemas.openxmlformats.org/drawingml/2006/chart" xmlns:a="http://schemas.openxmlformats.org/drawingml/2006/main" xmlns:dgm="http://schemas.openxmlformats.org/drawingml/2006/diagram" xmlns:dsp="http://schemas.microsoft.com/office/drawing/2008/diagram" xmlns:p="http://schemas.openxmlformats.org/presentationml/2006/main">
+<p:sld xmlns:a="http://schemas.openxmlformats.org/drawingml/2006/main" xmlns:r="http://schemas.openxmlformats.org/officeDocument/2006/relationships" xmlns:p="http://schemas.openxmlformats.org/presentationml/2006/main">
   <p:cSld>
     <p:spTree>
       <p:nvGrpSpPr>
@@ -4614,86 +4629,101 @@
               </a:rPr>
               <a:t>주차</a:t>
             </a:r>
-            <a:endParaRPr kumimoji="1" lang="ko-KR" altLang="en-US" sz="2349">
-              <a:solidFill>
-                <a:srgbClr val="000000"/>
-              </a:solidFill>
-            </a:endParaRPr>
           </a:p>
         </p:txBody>
       </p:sp>
-      <p:cxnSp>
-        <p:nvCxnSpPr>
-          <p:cNvPr id="10247" name=""/>
-          <p:cNvCxnSpPr/>
+      <p:sp>
+        <p:nvSpPr>
+          <p:cNvPr id="9" name="Line 18"/>
+          <p:cNvSpPr>
+            <a:spLocks noChangeShapeType="1"/>
+          </p:cNvSpPr>
           <p:nvPr/>
-        </p:nvCxnSpPr>
-        <p:spPr>
+        </p:nvSpPr>
+        <p:spPr bwMode="auto">
           <a:xfrm>
-            <a:off x="-19123" y="1600199"/>
-            <a:ext cx="9925123" cy="0"/>
+            <a:off x="0" y="1600200"/>
+            <a:ext cx="9906000" cy="0"/>
           </a:xfrm>
           <a:prstGeom prst="line">
             <a:avLst/>
           </a:prstGeom>
-          <a:solidFill>
-            <a:schemeClr val="accent1"/>
-          </a:solidFill>
-          <a:ln w="9525" cap="flat" cmpd="sng" algn="ctr">
+          <a:noFill/>
+          <a:ln w="9525">
             <a:solidFill>
               <a:schemeClr val="accent1"/>
             </a:solidFill>
-            <a:prstDash val="solid"/>
-            <a:round/>
+            <a:miter lim="800000"/>
+            <a:headEnd/>
+            <a:tailEnd/>
           </a:ln>
-          <a:effectLst>
-            <a:outerShdw dist="35921" dir="2700000" algn="ctr" rotWithShape="0">
-              <a:schemeClr val="bg2"/>
-            </a:outerShdw>
-          </a:effectLst>
+          <a:extLst>
+            <a:ext uri="{909E8E84-426E-40DD-AFC4-6F175D3DCCD1}">
+              <a14:hiddenFill xmlns:a14="http://schemas.microsoft.com/office/drawing/2010/main">
+                <a:noFill/>
+              </a14:hiddenFill>
+            </a:ext>
+          </a:extLst>
         </p:spPr>
-      </p:cxnSp>
-      <p:cxnSp>
-        <p:nvCxnSpPr>
-          <p:cNvPr id="10248" name=""/>
-          <p:cNvCxnSpPr/>
+        <p:txBody>
+          <a:bodyPr wrap="none"/>
+          <a:lstStyle/>
+          <a:p>
+            <a:endParaRPr lang="ko-KR" altLang="en-US" sz="2716"/>
+          </a:p>
+        </p:txBody>
+      </p:sp>
+      <p:sp>
+        <p:nvSpPr>
+          <p:cNvPr id="10" name="Line 18"/>
+          <p:cNvSpPr>
+            <a:spLocks noChangeShapeType="1"/>
+          </p:cNvSpPr>
           <p:nvPr/>
-        </p:nvCxnSpPr>
-        <p:spPr>
+        </p:nvSpPr>
+        <p:spPr bwMode="auto">
           <a:xfrm>
-            <a:off x="-19050" y="5257799"/>
-            <a:ext cx="9928062" cy="1"/>
+            <a:off x="0" y="5257800"/>
+            <a:ext cx="9906000" cy="0"/>
           </a:xfrm>
           <a:prstGeom prst="line">
             <a:avLst/>
           </a:prstGeom>
-          <a:solidFill>
-            <a:schemeClr val="accent1"/>
-          </a:solidFill>
-          <a:ln w="9525" cap="flat" cmpd="sng" algn="ctr">
+          <a:noFill/>
+          <a:ln w="9525">
             <a:solidFill>
               <a:schemeClr val="accent1"/>
             </a:solidFill>
-            <a:prstDash val="solid"/>
-            <a:round/>
+            <a:miter lim="800000"/>
+            <a:headEnd/>
+            <a:tailEnd/>
           </a:ln>
-          <a:effectLst>
-            <a:outerShdw dist="35921" dir="2700000" algn="ctr" rotWithShape="0">
-              <a:schemeClr val="bg2"/>
-            </a:outerShdw>
-          </a:effectLst>
+          <a:extLst>
+            <a:ext uri="{909E8E84-426E-40DD-AFC4-6F175D3DCCD1}">
+              <a14:hiddenFill xmlns:a14="http://schemas.microsoft.com/office/drawing/2010/main">
+                <a:noFill/>
+              </a14:hiddenFill>
+            </a:ext>
+          </a:extLst>
         </p:spPr>
-      </p:cxnSp>
+        <p:txBody>
+          <a:bodyPr wrap="none"/>
+          <a:lstStyle/>
+          <a:p>
+            <a:endParaRPr lang="ko-KR" altLang="en-US" sz="2716"/>
+          </a:p>
+        </p:txBody>
+      </p:sp>
     </p:spTree>
   </p:cSld>
   <p:clrMapOvr>
     <a:masterClrMapping/>
   </p:clrMapOvr>
-  <mc:AlternateContent xmlns:mc="http://schemas.openxmlformats.org/markup-compatibility/2006">
-    <mc:Choice xmlns:p14="http://schemas.microsoft.com/office/powerpoint/2010/main" Requires="p14">
-      <p:transition xmlns:mc="http://schemas.openxmlformats.org/markup-compatibility/2006" xmlns:p14="http://schemas.microsoft.com/office/powerpoint/2010/main" mc:Ignorable="p14" p14:dur="500"/>
+  <mc:AlternateContent xmlns:mc="http://schemas.openxmlformats.org/markup-compatibility/2006" xmlns:p14="http://schemas.microsoft.com/office/powerpoint/2010/main">
+    <mc:Choice Requires="p14">
+      <p:transition/>
     </mc:Choice>
-    <mc:Fallback>
+    <mc:Fallback xmlns:dsp="http://schemas.microsoft.com/office/drawing/2008/diagram" xmlns:dgm="http://schemas.openxmlformats.org/drawingml/2006/diagram" xmlns:c="http://schemas.openxmlformats.org/drawingml/2006/chart" xmlns="">
       <p:transition/>
     </mc:Fallback>
   </mc:AlternateContent>
@@ -4701,14 +4731,14 @@
 </file>
 
 <file path=ppt/theme/theme1.xml><?xml version="1.0" encoding="utf-8"?>
-<a:theme xmlns:r="http://schemas.openxmlformats.org/officeDocument/2006/relationships" xmlns:c="http://schemas.openxmlformats.org/drawingml/2006/chart" xmlns:dgm="http://schemas.openxmlformats.org/drawingml/2006/diagram" xmlns:dsp="http://schemas.microsoft.com/office/drawing/2008/diagram" xmlns:a="http://schemas.openxmlformats.org/drawingml/2006/main" xmlns:pic="http://schemas.openxmlformats.org/drawingml/2006/picture" xmlns:wp="http://schemas.openxmlformats.org/drawingml/2006/wordprocessingDrawing" xmlns:xdr="http://schemas.openxmlformats.org/drawingml/2006/spreadsheetDrawing" xmlns:p="http://schemas.openxmlformats.org/presentationml/2006/main" name="S-Oil SO Proposal_인프라_0814_V1.1">
+<a:theme xmlns:a="http://schemas.openxmlformats.org/drawingml/2006/main" name="S-Oil SO Proposal_인프라_0814_V1.1">
   <a:themeElements>
     <a:clrScheme name="S-Oil SO Proposal_인프라_0814_V1.1 1">
       <a:dk1>
         <a:srgbClr val="000000"/>
       </a:dk1>
       <a:lt1>
-        <a:srgbClr val="ffffff"/>
+        <a:srgbClr val="FFFFFF"/>
       </a:lt1>
       <a:dk2>
         <a:srgbClr val="000000"/>
@@ -4717,28 +4747,28 @@
         <a:srgbClr val="808080"/>
       </a:lt2>
       <a:accent1>
-        <a:srgbClr val="bbe0e3"/>
+        <a:srgbClr val="BBE0E3"/>
       </a:accent1>
       <a:accent2>
         <a:srgbClr val="333399"/>
       </a:accent2>
       <a:accent3>
-        <a:srgbClr val="ffffff"/>
+        <a:srgbClr val="FFFFFF"/>
       </a:accent3>
       <a:accent4>
         <a:srgbClr val="000000"/>
       </a:accent4>
       <a:accent5>
-        <a:srgbClr val="daedef"/>
+        <a:srgbClr val="DAEDEF"/>
       </a:accent5>
       <a:accent6>
-        <a:srgbClr val="2d2d8a"/>
+        <a:srgbClr val="2D2D8A"/>
       </a:accent6>
       <a:hlink>
         <a:srgbClr val="009999"/>
       </a:hlink>
       <a:folHlink>
-        <a:srgbClr val="99cc00"/>
+        <a:srgbClr val="99CC00"/>
       </a:folHlink>
     </a:clrScheme>
     <a:fontScheme name="S-Oil SO Proposal_인프라_0814_V1.1">
@@ -5025,18 +5055,19 @@
       <a:lstStyle/>
     </a:txDef>
   </a:objectDefaults>
+  <a:extraClrSchemeLst/>
 </a:theme>
 </file>
 
 <file path=ppt/theme/theme2.xml><?xml version="1.0" encoding="utf-8"?>
-<a:theme xmlns:r="http://schemas.openxmlformats.org/officeDocument/2006/relationships" xmlns:c="http://schemas.openxmlformats.org/drawingml/2006/chart" xmlns:dgm="http://schemas.openxmlformats.org/drawingml/2006/diagram" xmlns:dsp="http://schemas.microsoft.com/office/drawing/2008/diagram" xmlns:a="http://schemas.openxmlformats.org/drawingml/2006/main" xmlns:pic="http://schemas.openxmlformats.org/drawingml/2006/picture" xmlns:wp="http://schemas.openxmlformats.org/drawingml/2006/wordprocessingDrawing" xmlns:xdr="http://schemas.openxmlformats.org/drawingml/2006/spreadsheetDrawing" xmlns:p="http://schemas.openxmlformats.org/presentationml/2006/main" name="Office 테마">
+<a:theme xmlns:a="http://schemas.openxmlformats.org/drawingml/2006/main" name="Office 테마">
   <a:themeElements>
     <a:clrScheme name="">
       <a:dk1>
         <a:srgbClr val="000000"/>
       </a:dk1>
       <a:lt1>
-        <a:srgbClr val="ffffff"/>
+        <a:srgbClr val="FFFFFF"/>
       </a:lt1>
       <a:dk2>
         <a:srgbClr val="000000"/>
@@ -5045,28 +5076,28 @@
         <a:srgbClr val="808080"/>
       </a:lt2>
       <a:accent1>
-        <a:srgbClr val="bbe0e3"/>
+        <a:srgbClr val="BBE0E3"/>
       </a:accent1>
       <a:accent2>
         <a:srgbClr val="333399"/>
       </a:accent2>
       <a:accent3>
-        <a:srgbClr val="ffffff"/>
+        <a:srgbClr val="FFFFFF"/>
       </a:accent3>
       <a:accent4>
         <a:srgbClr val="000000"/>
       </a:accent4>
       <a:accent5>
-        <a:srgbClr val="daedef"/>
+        <a:srgbClr val="DAEDEF"/>
       </a:accent5>
       <a:accent6>
-        <a:srgbClr val="2d2d8a"/>
+        <a:srgbClr val="2D2D8A"/>
       </a:accent6>
       <a:hlink>
         <a:srgbClr val="009999"/>
       </a:hlink>
       <a:folHlink>
-        <a:srgbClr val="99cc00"/>
+        <a:srgbClr val="99CC00"/>
       </a:folHlink>
     </a:clrScheme>
     <a:fontScheme name="Office">
@@ -5306,18 +5337,20 @@
       </a:bgFillStyleLst>
     </a:fmtScheme>
   </a:themeElements>
+  <a:objectDefaults/>
+  <a:extraClrSchemeLst/>
 </a:theme>
 </file>
 
 <file path=ppt/theme/theme3.xml><?xml version="1.0" encoding="utf-8"?>
-<a:theme xmlns:r="http://schemas.openxmlformats.org/officeDocument/2006/relationships" xmlns:c="http://schemas.openxmlformats.org/drawingml/2006/chart" xmlns:dgm="http://schemas.openxmlformats.org/drawingml/2006/diagram" xmlns:dsp="http://schemas.microsoft.com/office/drawing/2008/diagram" xmlns:a="http://schemas.openxmlformats.org/drawingml/2006/main" xmlns:pic="http://schemas.openxmlformats.org/drawingml/2006/picture" xmlns:wp="http://schemas.openxmlformats.org/drawingml/2006/wordprocessingDrawing" xmlns:xdr="http://schemas.openxmlformats.org/drawingml/2006/spreadsheetDrawing" xmlns:p="http://schemas.openxmlformats.org/presentationml/2006/main" name="Office 테마">
+<a:theme xmlns:a="http://schemas.openxmlformats.org/drawingml/2006/main" name="Office 테마">
   <a:themeElements>
     <a:clrScheme name="">
       <a:dk1>
         <a:srgbClr val="000000"/>
       </a:dk1>
       <a:lt1>
-        <a:srgbClr val="ffffff"/>
+        <a:srgbClr val="FFFFFF"/>
       </a:lt1>
       <a:dk2>
         <a:srgbClr val="000000"/>
@@ -5326,28 +5359,28 @@
         <a:srgbClr val="808080"/>
       </a:lt2>
       <a:accent1>
-        <a:srgbClr val="bbe0e3"/>
+        <a:srgbClr val="BBE0E3"/>
       </a:accent1>
       <a:accent2>
         <a:srgbClr val="333399"/>
       </a:accent2>
       <a:accent3>
-        <a:srgbClr val="ffffff"/>
+        <a:srgbClr val="FFFFFF"/>
       </a:accent3>
       <a:accent4>
         <a:srgbClr val="000000"/>
       </a:accent4>
       <a:accent5>
-        <a:srgbClr val="daedef"/>
+        <a:srgbClr val="DAEDEF"/>
       </a:accent5>
       <a:accent6>
-        <a:srgbClr val="2d2d8a"/>
+        <a:srgbClr val="2D2D8A"/>
       </a:accent6>
       <a:hlink>
         <a:srgbClr val="009999"/>
       </a:hlink>
       <a:folHlink>
-        <a:srgbClr val="99cc00"/>
+        <a:srgbClr val="99CC00"/>
       </a:folHlink>
     </a:clrScheme>
     <a:fontScheme name="Office">
@@ -5587,5 +5620,7 @@
       </a:bgFillStyleLst>
     </a:fmtScheme>
   </a:themeElements>
+  <a:objectDefaults/>
+  <a:extraClrSchemeLst/>
 </a:theme>
 </file>